--- a/피와땀.pptx
+++ b/피와땀.pptx
@@ -3132,20 +3132,73 @@
             <p:ph type="subTitle" idx="1"/>
           </p:nvPr>
         </p:nvSpPr>
-        <p:spPr/>
-        <p:txBody>
-          <a:bodyPr/>
-          <a:lstStyle/>
-          <a:p>
-            <a:r>
-              <a:rPr lang="ko-KR" altLang="en-US" dirty="0" smtClean="0"/>
-              <a:t>피와 땀</a:t>
-            </a:r>
-            <a:r>
-              <a:rPr lang="en-US" altLang="ko-KR" dirty="0" smtClean="0"/>
-              <a:t>.</a:t>
-            </a:r>
-            <a:endParaRPr lang="ko-KR" altLang="en-US" dirty="0"/>
+        <p:spPr>
+          <a:xfrm>
+            <a:off x="0" y="1772816"/>
+            <a:ext cx="9144000" cy="1752600"/>
+          </a:xfrm>
+        </p:spPr>
+        <p:txBody>
+          <a:bodyPr>
+            <a:normAutofit/>
+          </a:bodyPr>
+          <a:lstStyle/>
+          <a:p>
+            <a:r>
+              <a:rPr lang="ko-KR" altLang="en-US" sz="6000" dirty="0" smtClean="0">
+                <a:solidFill>
+                  <a:schemeClr val="tx1"/>
+                </a:solidFill>
+                <a:latin typeface="휴먼둥근헤드라인" pitchFamily="18" charset="-127"/>
+                <a:ea typeface="휴먼둥근헤드라인" pitchFamily="18" charset="-127"/>
+              </a:rPr>
+              <a:t>인수합병</a:t>
+            </a:r>
+            <a:r>
+              <a:rPr lang="ko-KR" altLang="en-US" sz="6000" dirty="0" smtClean="0">
+                <a:solidFill>
+                  <a:schemeClr val="tx1"/>
+                </a:solidFill>
+              </a:rPr>
+              <a:t> </a:t>
+            </a:r>
+            <a:r>
+              <a:rPr lang="en-US" altLang="ko-KR" sz="6000" dirty="0" smtClean="0">
+                <a:solidFill>
+                  <a:schemeClr val="tx1"/>
+                </a:solidFill>
+              </a:rPr>
+              <a:t>: </a:t>
+            </a:r>
+            <a:r>
+              <a:rPr lang="ko-KR" altLang="en-US" sz="6000" dirty="0" err="1" smtClean="0">
+                <a:solidFill>
+                  <a:srgbClr val="FF0000"/>
+                </a:solidFill>
+              </a:rPr>
+              <a:t>피</a:t>
+            </a:r>
+            <a:r>
+              <a:rPr lang="ko-KR" altLang="en-US" sz="6000" dirty="0" err="1" smtClean="0">
+                <a:solidFill>
+                  <a:schemeClr val="tx1"/>
+                </a:solidFill>
+              </a:rPr>
+              <a:t>와</a:t>
+            </a:r>
+            <a:r>
+              <a:rPr lang="ko-KR" altLang="en-US" sz="6000" dirty="0" err="1" smtClean="0">
+                <a:solidFill>
+                  <a:srgbClr val="00B0F0"/>
+                </a:solidFill>
+              </a:rPr>
+              <a:t>땀</a:t>
+            </a:r>
+            <a:endParaRPr lang="ko-KR" altLang="en-US" sz="6000" dirty="0">
+              <a:solidFill>
+                <a:srgbClr val="00B0F0"/>
+              </a:solidFill>
+            </a:endParaRPr>
           </a:p>
         </p:txBody>
       </p:sp>
@@ -3197,14 +3250,14 @@
           <a:lstStyle/>
           <a:p>
             <a:r>
-              <a:rPr lang="ko-KR" altLang="en-US" sz="2000" dirty="0" smtClean="0"/>
+              <a:rPr lang="ko-KR" altLang="en-US" sz="2600" b="1" dirty="0" smtClean="0"/>
               <a:t>서울시 예비 카페  창업자를 위한 데이터 분석 제공</a:t>
             </a:r>
             <a:r>
-              <a:rPr lang="en-US" altLang="ko-KR" sz="2000" dirty="0" smtClean="0"/>
+              <a:rPr lang="en-US" altLang="ko-KR" sz="2600" b="1" dirty="0" smtClean="0"/>
               <a:t>.</a:t>
             </a:r>
-            <a:endParaRPr lang="ko-KR" altLang="en-US" sz="2000" dirty="0"/>
+            <a:endParaRPr lang="ko-KR" altLang="en-US" sz="2600" b="1" dirty="0"/>
           </a:p>
         </p:txBody>
       </p:sp>
@@ -3302,13 +3355,14 @@
               <a:t>배후지 직장인구 수를 </a:t>
             </a:r>
             <a:r>
-              <a:rPr lang="ko-KR" altLang="en-US" sz="1800" dirty="0" err="1" smtClean="0"/>
-              <a:t>입력받는다</a:t>
+              <a:rPr lang="ko-KR" altLang="en-US" sz="1800" dirty="0" smtClean="0"/>
+              <a:t>입력한다</a:t>
             </a:r>
             <a:r>
               <a:rPr lang="en-US" altLang="ko-KR" sz="1800" dirty="0" smtClean="0"/>
               <a:t>.</a:t>
             </a:r>
+            <a:endParaRPr lang="en-US" altLang="ko-KR" sz="1800" dirty="0" smtClean="0"/>
           </a:p>
           <a:p>
             <a:pPr marL="0" indent="0">
@@ -3318,53 +3372,201 @@
           </a:p>
           <a:p>
             <a:r>
+              <a:rPr lang="ko-KR" altLang="en-US" sz="1800" dirty="0"/>
+              <a:t>논문을 참고하여 상주인구</a:t>
+            </a:r>
+            <a:r>
+              <a:rPr lang="en-US" altLang="ko-KR" sz="1800" dirty="0" smtClean="0"/>
+              <a:t>, </a:t>
+            </a:r>
+            <a:r>
+              <a:rPr lang="ko-KR" altLang="en-US" sz="1800" dirty="0" smtClean="0"/>
+              <a:t>유동인구</a:t>
+            </a:r>
+            <a:r>
+              <a:rPr lang="en-US" altLang="ko-KR" sz="1800" dirty="0" smtClean="0"/>
+              <a:t>, </a:t>
+            </a:r>
+            <a:r>
+              <a:rPr lang="ko-KR" altLang="en-US" sz="1800" dirty="0" smtClean="0"/>
+              <a:t>상권 매출액</a:t>
+            </a:r>
+            <a:r>
+              <a:rPr lang="en-US" altLang="ko-KR" sz="1800" dirty="0"/>
+              <a:t> </a:t>
+            </a:r>
+            <a:r>
+              <a:rPr lang="ko-KR" altLang="en-US" sz="1800" dirty="0" smtClean="0"/>
+              <a:t>등의 </a:t>
+            </a:r>
+            <a:r>
+              <a:rPr lang="en-US" altLang="ko-KR" sz="1800" dirty="0" smtClean="0"/>
+              <a:t>‘</a:t>
+            </a:r>
+            <a:r>
+              <a:rPr lang="ko-KR" altLang="en-US" sz="1800" dirty="0" smtClean="0"/>
+              <a:t>예상매출액</a:t>
+            </a:r>
+            <a:r>
+              <a:rPr lang="en-US" altLang="ko-KR" sz="1800" dirty="0" smtClean="0"/>
+              <a:t>’</a:t>
+            </a:r>
+            <a:r>
+              <a:rPr lang="ko-KR" altLang="en-US" sz="1800" dirty="0" smtClean="0"/>
+              <a:t>을 도출해낸다</a:t>
+            </a:r>
+            <a:r>
+              <a:rPr lang="en-US" altLang="ko-KR" sz="1800" dirty="0" smtClean="0"/>
+              <a:t>.</a:t>
+            </a:r>
+          </a:p>
+          <a:p>
+            <a:pPr marL="0" indent="0">
+              <a:buNone/>
+            </a:pPr>
+            <a:endParaRPr lang="en-US" altLang="ko-KR" sz="1800" dirty="0" smtClean="0"/>
+          </a:p>
+          <a:p>
+            <a:r>
+              <a:rPr lang="en-US" altLang="ko-KR" sz="1800" dirty="0" smtClean="0"/>
+              <a:t>CSV</a:t>
+            </a:r>
+            <a:r>
+              <a:rPr lang="ko-KR" altLang="en-US" sz="1800" dirty="0" smtClean="0"/>
+              <a:t>파일에서</a:t>
+            </a:r>
+            <a:r>
+              <a:rPr lang="ko-KR" altLang="en-US" sz="1800" dirty="0" smtClean="0"/>
+              <a:t> </a:t>
+            </a:r>
+            <a:r>
+              <a:rPr lang="ko-KR" altLang="en-US" sz="1800" dirty="0" smtClean="0"/>
+              <a:t>데이터 쓸 것만 추린 후</a:t>
+            </a:r>
+            <a:r>
+              <a:rPr lang="en-US" altLang="ko-KR" sz="1800" dirty="0" smtClean="0"/>
+              <a:t>,, </a:t>
+            </a:r>
+            <a:r>
+              <a:rPr lang="ko-KR" altLang="en-US" sz="1800" dirty="0" err="1" smtClean="0"/>
+              <a:t>하둡에</a:t>
+            </a:r>
+            <a:r>
+              <a:rPr lang="ko-KR" altLang="en-US" sz="1800" dirty="0" smtClean="0"/>
+              <a:t> 저장하고</a:t>
+            </a:r>
+            <a:r>
+              <a:rPr lang="en-US" altLang="ko-KR" sz="1800" dirty="0" smtClean="0"/>
+              <a:t>, </a:t>
+            </a:r>
+            <a:r>
+              <a:rPr lang="ko-KR" altLang="en-US" sz="1800" dirty="0" err="1" smtClean="0"/>
+              <a:t>오라클</a:t>
+            </a:r>
+            <a:r>
+              <a:rPr lang="ko-KR" altLang="en-US" sz="1800" dirty="0" smtClean="0"/>
+              <a:t> </a:t>
+            </a:r>
+            <a:r>
+              <a:rPr lang="en-US" altLang="ko-KR" sz="1800" dirty="0" smtClean="0"/>
+              <a:t>DB</a:t>
+            </a:r>
+            <a:r>
+              <a:rPr lang="ko-KR" altLang="en-US" sz="1800" dirty="0" smtClean="0"/>
+              <a:t>에다 </a:t>
+            </a:r>
+            <a:r>
+              <a:rPr lang="en-US" altLang="ko-KR" sz="1800" dirty="0" smtClean="0"/>
+              <a:t>im</a:t>
+            </a:r>
+            <a:r>
+              <a:rPr lang="en-US" altLang="ko-KR" sz="1800" dirty="0" smtClean="0"/>
+              <a:t>port</a:t>
+            </a:r>
+            <a:r>
+              <a:rPr lang="ko-KR" altLang="en-US" sz="1800" dirty="0" smtClean="0"/>
+              <a:t>해서 웹에서 데이터를 활용할 </a:t>
+            </a:r>
+            <a:r>
+              <a:rPr lang="ko-KR" altLang="en-US" sz="1800" dirty="0" smtClean="0"/>
+              <a:t>예</a:t>
+            </a:r>
+            <a:r>
+              <a:rPr lang="ko-KR" altLang="en-US" sz="1800" dirty="0" smtClean="0"/>
+              <a:t>정</a:t>
+            </a:r>
+            <a:endParaRPr lang="en-US" altLang="ko-KR" sz="1800" dirty="0" smtClean="0"/>
+          </a:p>
+          <a:p>
+            <a:endParaRPr lang="en-US" altLang="ko-KR" sz="1800" dirty="0" smtClean="0"/>
+          </a:p>
+          <a:p>
+            <a:r>
+              <a:rPr lang="ko-KR" altLang="en-US" sz="1800" dirty="0" smtClean="0"/>
+              <a:t>지역</a:t>
+            </a:r>
+            <a:r>
+              <a:rPr lang="en-US" altLang="ko-KR" sz="1800" dirty="0" smtClean="0"/>
+              <a:t>(</a:t>
+            </a:r>
+            <a:r>
+              <a:rPr lang="ko-KR" altLang="en-US" sz="1800" dirty="0" smtClean="0"/>
+              <a:t>서울시</a:t>
+            </a:r>
+            <a:r>
+              <a:rPr lang="en-US" altLang="ko-KR" sz="1800" dirty="0" smtClean="0"/>
+              <a:t>)</a:t>
+            </a:r>
+            <a:r>
+              <a:rPr lang="ko-KR" altLang="en-US" sz="1800" dirty="0" smtClean="0"/>
+              <a:t> 별 현재 임대료</a:t>
+            </a:r>
+            <a:r>
+              <a:rPr lang="en-US" altLang="ko-KR" sz="1800" dirty="0" smtClean="0"/>
+              <a:t>/</a:t>
+            </a:r>
+            <a:r>
+              <a:rPr lang="ko-KR" altLang="en-US" sz="1800" dirty="0" smtClean="0"/>
+              <a:t>유동인구</a:t>
+            </a:r>
+            <a:r>
+              <a:rPr lang="en-US" altLang="ko-KR" sz="1800" dirty="0" smtClean="0"/>
+              <a:t>/</a:t>
+            </a:r>
+            <a:r>
               <a:rPr lang="ko-KR" altLang="en-US" sz="1800" dirty="0" smtClean="0"/>
               <a:t>상주인구</a:t>
             </a:r>
             <a:r>
-              <a:rPr lang="en-US" altLang="ko-KR" sz="1800" dirty="0" smtClean="0"/>
-              <a:t>, </a:t>
-            </a:r>
-            <a:r>
-              <a:rPr lang="ko-KR" altLang="en-US" sz="1800" dirty="0" smtClean="0"/>
-              <a:t>유동인구</a:t>
-            </a:r>
-            <a:r>
-              <a:rPr lang="en-US" altLang="ko-KR" sz="1800" dirty="0" smtClean="0"/>
-              <a:t>, </a:t>
-            </a:r>
-            <a:r>
-              <a:rPr lang="ko-KR" altLang="en-US" sz="1800" dirty="0" smtClean="0"/>
-              <a:t>상권 매출액</a:t>
-            </a:r>
-            <a:r>
               <a:rPr lang="en-US" altLang="ko-KR" sz="1800" dirty="0"/>
               <a:t> </a:t>
             </a:r>
             <a:r>
               <a:rPr lang="ko-KR" altLang="en-US" sz="1800" dirty="0" smtClean="0"/>
-              <a:t>등으로 논문을 참고하여 </a:t>
-            </a:r>
-            <a:r>
-              <a:rPr lang="en-US" altLang="ko-KR" sz="1800" dirty="0" smtClean="0"/>
-              <a:t>‘</a:t>
-            </a:r>
+              <a:t>등을 시각화 할 예정</a:t>
+            </a:r>
+            <a:endParaRPr lang="en-US" altLang="ko-KR" sz="1800" dirty="0" smtClean="0"/>
+          </a:p>
+          <a:p>
+            <a:endParaRPr lang="en-US" altLang="ko-KR" sz="1800" dirty="0" smtClean="0"/>
+          </a:p>
+          <a:p>
             <a:r>
               <a:rPr lang="ko-KR" altLang="en-US" sz="1800" dirty="0" smtClean="0"/>
-              <a:t>예상매출액</a:t>
-            </a:r>
-            <a:r>
-              <a:rPr lang="en-US" altLang="ko-KR" sz="1800" dirty="0" smtClean="0"/>
-              <a:t>’</a:t>
+              <a:t>현재 매장의 위치를 지도에 표시하여 구역 내 포</a:t>
+            </a:r>
+            <a:r>
+              <a:rPr lang="ko-KR" altLang="en-US" sz="1800" dirty="0"/>
+              <a:t>화</a:t>
             </a:r>
             <a:r>
               <a:rPr lang="ko-KR" altLang="en-US" sz="1800" dirty="0" smtClean="0"/>
-              <a:t>을 도출해낸다</a:t>
-            </a:r>
-            <a:r>
-              <a:rPr lang="en-US" altLang="ko-KR" sz="1800" dirty="0" smtClean="0"/>
-              <a:t>.</a:t>
-            </a:r>
+              <a:t> 상태의 시각화</a:t>
+            </a:r>
+            <a:endParaRPr lang="en-US" altLang="ko-KR" sz="1800" dirty="0" smtClean="0"/>
+          </a:p>
+          <a:p>
+            <a:endParaRPr lang="en-US" altLang="ko-KR" sz="1800" dirty="0" smtClean="0"/>
           </a:p>
           <a:p>
             <a:pPr marL="0" indent="0">
@@ -3373,68 +3575,6 @@
             <a:endParaRPr lang="en-US" altLang="ko-KR" sz="1800" dirty="0" smtClean="0"/>
           </a:p>
           <a:p>
-            <a:r>
-              <a:rPr lang="en-US" altLang="ko-KR" sz="1800" dirty="0" smtClean="0"/>
-              <a:t>Excel</a:t>
-            </a:r>
-            <a:r>
-              <a:rPr lang="ko-KR" altLang="en-US" sz="1800" dirty="0" smtClean="0"/>
-              <a:t>에서 데이터 쓸 것만 추린 후</a:t>
-            </a:r>
-            <a:r>
-              <a:rPr lang="en-US" altLang="ko-KR" sz="1800" dirty="0" smtClean="0"/>
-              <a:t>,, </a:t>
-            </a:r>
-            <a:r>
-              <a:rPr lang="ko-KR" altLang="en-US" sz="1800" dirty="0" err="1" smtClean="0"/>
-              <a:t>하둡에</a:t>
-            </a:r>
-            <a:r>
-              <a:rPr lang="ko-KR" altLang="en-US" sz="1800" dirty="0" smtClean="0"/>
-              <a:t> 저장하고</a:t>
-            </a:r>
-            <a:r>
-              <a:rPr lang="en-US" altLang="ko-KR" sz="1800" dirty="0" smtClean="0"/>
-              <a:t>, </a:t>
-            </a:r>
-            <a:r>
-              <a:rPr lang="ko-KR" altLang="en-US" sz="1800" dirty="0" err="1" smtClean="0"/>
-              <a:t>오라클</a:t>
-            </a:r>
-            <a:r>
-              <a:rPr lang="ko-KR" altLang="en-US" sz="1800" dirty="0" smtClean="0"/>
-              <a:t> </a:t>
-            </a:r>
-            <a:r>
-              <a:rPr lang="en-US" altLang="ko-KR" sz="1800" dirty="0" smtClean="0"/>
-              <a:t>DB</a:t>
-            </a:r>
-            <a:r>
-              <a:rPr lang="ko-KR" altLang="en-US" sz="1800" dirty="0" smtClean="0"/>
-              <a:t>에 </a:t>
-            </a:r>
-            <a:r>
-              <a:rPr lang="en-US" altLang="ko-KR" sz="1800" dirty="0" smtClean="0"/>
-              <a:t>export</a:t>
-            </a:r>
-            <a:r>
-              <a:rPr lang="ko-KR" altLang="en-US" sz="1800" dirty="0" smtClean="0"/>
-              <a:t>해서 웹에서 데이터를 활용할 예정</a:t>
-            </a:r>
-            <a:r>
-              <a:rPr lang="en-US" altLang="ko-KR" sz="1800" dirty="0" smtClean="0"/>
-              <a:t>….</a:t>
-            </a:r>
-          </a:p>
-          <a:p>
-            <a:r>
-              <a:rPr lang="ko-KR" altLang="en-US" sz="1800" dirty="0" smtClean="0"/>
-              <a:t> </a:t>
-            </a:r>
-            <a:r>
-              <a:rPr lang="en-US" altLang="ko-KR" sz="1800" dirty="0" smtClean="0"/>
-              <a:t> </a:t>
-            </a:r>
             <a:endParaRPr lang="ko-KR" altLang="en-US" sz="1800" dirty="0"/>
           </a:p>
         </p:txBody>
